--- a/translations/en-us/advanced/DataLoggingTemp.pptx
+++ b/translations/en-us/advanced/DataLoggingTemp.pptx
@@ -224,7 +224,7 @@
           <a:p>
             <a:fld id="{E354B44E-40A3-0E46-B16A-9BF1250A248B}" type="datetimeFigureOut">
               <a:rPr lang="en-US" smtClean="0"/>
-              <a:t>11/15/15</a:t>
+              <a:t>7/19/16</a:t>
             </a:fld>
             <a:endParaRPr lang="en-US"/>
           </a:p>
@@ -390,7 +390,7 @@
           <a:p>
             <a:fld id="{C86AD16C-2DB4-6642-BAD4-9ED973A087A0}" type="datetimeFigureOut">
               <a:rPr lang="en-US" smtClean="0"/>
-              <a:t>11/15/15</a:t>
+              <a:t>7/19/16</a:t>
             </a:fld>
             <a:endParaRPr lang="en-US"/>
           </a:p>
@@ -943,9 +943,9 @@
           <a:bodyPr/>
           <a:lstStyle/>
           <a:p>
-            <a:fld id="{AFC6075D-CA2C-5E45-B5FB-5608B9AA0121}" type="datetime1">
+            <a:fld id="{ACD9D57F-0B36-B14E-A8FA-7E4670960DF1}" type="datetime1">
               <a:rPr lang="en-US" smtClean="0"/>
-              <a:t>11/15/15</a:t>
+              <a:t>7/19/16</a:t>
             </a:fld>
             <a:endParaRPr lang="en-US"/>
           </a:p>
@@ -968,7 +968,7 @@
           <a:p>
             <a:r>
               <a:rPr lang="sk-SK" smtClean="0"/>
-              <a:t>© 2015 EV3Lessons.com, Last edit 11/15/2015</a:t>
+              <a:t>© 2016 EV3Lessons.com, Last edit 7/18/2016</a:t>
             </a:r>
             <a:endParaRPr lang="en-US"/>
           </a:p>
@@ -1496,7 +1496,7 @@
           <a:noFill/>
           <a:extLst>
             <a:ext uri="{909E8E84-426E-40dd-AFC4-6F175D3DCCD1}">
-              <a14:hiddenFill xmlns="" xmlns:a14="http://schemas.microsoft.com/office/drawing/2010/main">
+              <a14:hiddenFill xmlns:a14="http://schemas.microsoft.com/office/drawing/2010/main" xmlns="">
                 <a:solidFill>
                   <a:srgbClr val="FFFFFF"/>
                 </a:solidFill>
@@ -1540,288 +1540,6 @@
           </a:fontRef>
         </p:style>
       </p:cxnSp>
-      <p:pic>
-        <p:nvPicPr>
-          <p:cNvPr id="12" name="Picture 11"/>
-          <p:cNvPicPr>
-            <a:picLocks noChangeAspect="1"/>
-          </p:cNvPicPr>
-          <p:nvPr/>
-        </p:nvPicPr>
-        <p:blipFill>
-          <a:blip r:embed="rId3">
-            <a:extLst>
-              <a:ext uri="{28A0092B-C50C-407E-A947-70E740481C1C}">
-                <a14:useLocalDpi xmlns:a14="http://schemas.microsoft.com/office/drawing/2010/main" val="0"/>
-              </a:ext>
-            </a:extLst>
-          </a:blip>
-          <a:stretch>
-            <a:fillRect/>
-          </a:stretch>
-        </p:blipFill>
-        <p:spPr>
-          <a:xfrm>
-            <a:off x="284163" y="4948514"/>
-            <a:ext cx="1265237" cy="1210410"/>
-          </a:xfrm>
-          <a:prstGeom prst="rect">
-            <a:avLst/>
-          </a:prstGeom>
-        </p:spPr>
-      </p:pic>
-      <p:sp>
-        <p:nvSpPr>
-          <p:cNvPr id="18" name="Subtitle 3"/>
-          <p:cNvSpPr txBox="1">
-            <a:spLocks/>
-          </p:cNvSpPr>
-          <p:nvPr/>
-        </p:nvSpPr>
-        <p:spPr>
-          <a:xfrm>
-            <a:off x="1549400" y="5829838"/>
-            <a:ext cx="3749229" cy="484094"/>
-          </a:xfrm>
-          <a:prstGeom prst="rect">
-            <a:avLst/>
-          </a:prstGeom>
-        </p:spPr>
-        <p:txBody>
-          <a:bodyPr vert="horz" lIns="91440" tIns="45720" rIns="91440" bIns="45720" rtlCol="0">
-            <a:normAutofit/>
-          </a:bodyPr>
-          <a:lstStyle>
-            <a:lvl1pPr marL="0" indent="0" algn="l" defTabSz="914400" rtl="0" eaLnBrk="1" latinLnBrk="0" hangingPunct="1">
-              <a:lnSpc>
-                <a:spcPct val="100000"/>
-              </a:lnSpc>
-              <a:spcBef>
-                <a:spcPts val="0"/>
-              </a:spcBef>
-              <a:buClr>
-                <a:schemeClr val="bg1">
-                  <a:lumMod val="65000"/>
-                </a:schemeClr>
-              </a:buClr>
-              <a:buSzPct val="90000"/>
-              <a:buFont typeface="Wingdings" pitchFamily="2" charset="2"/>
-              <a:buNone/>
-              <a:defRPr sz="1800" kern="1200">
-                <a:solidFill>
-                  <a:schemeClr val="bg1"/>
-                </a:solidFill>
-                <a:latin typeface="+mn-lt"/>
-                <a:ea typeface="+mn-ea"/>
-                <a:cs typeface="+mn-cs"/>
-              </a:defRPr>
-            </a:lvl1pPr>
-            <a:lvl2pPr marL="457200" indent="0" algn="ctr" defTabSz="914400" rtl="0" eaLnBrk="1" latinLnBrk="0" hangingPunct="1">
-              <a:spcBef>
-                <a:spcPts val="600"/>
-              </a:spcBef>
-              <a:buClr>
-                <a:schemeClr val="tx1">
-                  <a:lumMod val="75000"/>
-                  <a:lumOff val="25000"/>
-                </a:schemeClr>
-              </a:buClr>
-              <a:buSzPct val="90000"/>
-              <a:buFont typeface="Wingdings" pitchFamily="2" charset="2"/>
-              <a:buNone/>
-              <a:defRPr sz="2200" kern="1200">
-                <a:solidFill>
-                  <a:schemeClr val="tx1">
-                    <a:tint val="75000"/>
-                  </a:schemeClr>
-                </a:solidFill>
-                <a:latin typeface="+mn-lt"/>
-                <a:ea typeface="+mn-ea"/>
-                <a:cs typeface="+mn-cs"/>
-              </a:defRPr>
-            </a:lvl2pPr>
-            <a:lvl3pPr marL="914400" indent="0" algn="ctr" defTabSz="914400" rtl="0" eaLnBrk="1" latinLnBrk="0" hangingPunct="1">
-              <a:spcBef>
-                <a:spcPts val="600"/>
-              </a:spcBef>
-              <a:buClr>
-                <a:schemeClr val="bg1">
-                  <a:lumMod val="65000"/>
-                </a:schemeClr>
-              </a:buClr>
-              <a:buSzPct val="90000"/>
-              <a:buFont typeface="Wingdings" pitchFamily="2" charset="2"/>
-              <a:buNone/>
-              <a:defRPr sz="2000" kern="1200">
-                <a:solidFill>
-                  <a:schemeClr val="tx1">
-                    <a:tint val="75000"/>
-                  </a:schemeClr>
-                </a:solidFill>
-                <a:latin typeface="+mn-lt"/>
-                <a:ea typeface="+mn-ea"/>
-                <a:cs typeface="+mn-cs"/>
-              </a:defRPr>
-            </a:lvl3pPr>
-            <a:lvl4pPr marL="1371600" indent="0" algn="ctr" defTabSz="914400" rtl="0" eaLnBrk="1" latinLnBrk="0" hangingPunct="1">
-              <a:spcBef>
-                <a:spcPts val="600"/>
-              </a:spcBef>
-              <a:buClr>
-                <a:schemeClr val="tx1">
-                  <a:lumMod val="75000"/>
-                  <a:lumOff val="25000"/>
-                </a:schemeClr>
-              </a:buClr>
-              <a:buSzPct val="90000"/>
-              <a:buFont typeface="Wingdings" pitchFamily="2" charset="2"/>
-              <a:buNone/>
-              <a:defRPr sz="1800" kern="1200">
-                <a:solidFill>
-                  <a:schemeClr val="tx1">
-                    <a:tint val="75000"/>
-                  </a:schemeClr>
-                </a:solidFill>
-                <a:latin typeface="+mn-lt"/>
-                <a:ea typeface="+mn-ea"/>
-                <a:cs typeface="+mn-cs"/>
-              </a:defRPr>
-            </a:lvl4pPr>
-            <a:lvl5pPr marL="1828800" indent="0" algn="ctr" defTabSz="914400" rtl="0" eaLnBrk="1" latinLnBrk="0" hangingPunct="1">
-              <a:spcBef>
-                <a:spcPts val="600"/>
-              </a:spcBef>
-              <a:buClr>
-                <a:schemeClr val="bg1">
-                  <a:lumMod val="65000"/>
-                </a:schemeClr>
-              </a:buClr>
-              <a:buSzPct val="90000"/>
-              <a:buFont typeface="Wingdings" pitchFamily="2" charset="2"/>
-              <a:buNone/>
-              <a:defRPr sz="1800" kern="1200">
-                <a:solidFill>
-                  <a:schemeClr val="tx1">
-                    <a:tint val="75000"/>
-                  </a:schemeClr>
-                </a:solidFill>
-                <a:latin typeface="+mn-lt"/>
-                <a:ea typeface="+mn-ea"/>
-                <a:cs typeface="+mn-cs"/>
-              </a:defRPr>
-            </a:lvl5pPr>
-            <a:lvl6pPr marL="2286000" indent="0" algn="ctr" defTabSz="914400" rtl="0" eaLnBrk="1" latinLnBrk="0" hangingPunct="1">
-              <a:spcBef>
-                <a:spcPts val="600"/>
-              </a:spcBef>
-              <a:buClr>
-                <a:schemeClr val="tx1">
-                  <a:lumMod val="75000"/>
-                  <a:lumOff val="25000"/>
-                </a:schemeClr>
-              </a:buClr>
-              <a:buSzPct val="90000"/>
-              <a:buFont typeface="Wingdings" pitchFamily="2" charset="2"/>
-              <a:buNone/>
-              <a:defRPr lang="en-US" sz="1800" kern="1200">
-                <a:solidFill>
-                  <a:schemeClr val="tx1">
-                    <a:tint val="75000"/>
-                  </a:schemeClr>
-                </a:solidFill>
-                <a:latin typeface="+mn-lt"/>
-                <a:ea typeface="+mn-ea"/>
-                <a:cs typeface="+mn-cs"/>
-              </a:defRPr>
-            </a:lvl6pPr>
-            <a:lvl7pPr marL="2743200" indent="0" algn="ctr" defTabSz="914400" rtl="0" eaLnBrk="1" latinLnBrk="0" hangingPunct="1">
-              <a:spcBef>
-                <a:spcPts val="600"/>
-              </a:spcBef>
-              <a:buClr>
-                <a:schemeClr val="bg1">
-                  <a:lumMod val="65000"/>
-                </a:schemeClr>
-              </a:buClr>
-              <a:buSzPct val="90000"/>
-              <a:buFont typeface="Wingdings" pitchFamily="2" charset="2"/>
-              <a:buNone/>
-              <a:defRPr lang="en-US" sz="1800" kern="1200">
-                <a:solidFill>
-                  <a:schemeClr val="tx1">
-                    <a:tint val="75000"/>
-                  </a:schemeClr>
-                </a:solidFill>
-                <a:latin typeface="+mn-lt"/>
-                <a:ea typeface="+mn-ea"/>
-                <a:cs typeface="+mn-cs"/>
-              </a:defRPr>
-            </a:lvl7pPr>
-            <a:lvl8pPr marL="3200400" indent="0" algn="ctr" defTabSz="914400" rtl="0" eaLnBrk="1" latinLnBrk="0" hangingPunct="1">
-              <a:spcBef>
-                <a:spcPts val="600"/>
-              </a:spcBef>
-              <a:buClr>
-                <a:schemeClr val="tx1">
-                  <a:lumMod val="75000"/>
-                  <a:lumOff val="25000"/>
-                </a:schemeClr>
-              </a:buClr>
-              <a:buSzPct val="90000"/>
-              <a:buFont typeface="Wingdings" pitchFamily="2" charset="2"/>
-              <a:buNone/>
-              <a:defRPr lang="en-US" sz="1800" kern="1200">
-                <a:solidFill>
-                  <a:schemeClr val="tx1">
-                    <a:tint val="75000"/>
-                  </a:schemeClr>
-                </a:solidFill>
-                <a:latin typeface="+mn-lt"/>
-                <a:ea typeface="+mn-ea"/>
-                <a:cs typeface="+mn-cs"/>
-              </a:defRPr>
-            </a:lvl8pPr>
-            <a:lvl9pPr marL="3657600" indent="0" algn="ctr" defTabSz="914400" rtl="0" eaLnBrk="1" latinLnBrk="0" hangingPunct="1">
-              <a:spcBef>
-                <a:spcPts val="600"/>
-              </a:spcBef>
-              <a:buClr>
-                <a:schemeClr val="bg1">
-                  <a:lumMod val="65000"/>
-                </a:schemeClr>
-              </a:buClr>
-              <a:buSzPct val="90000"/>
-              <a:buFont typeface="Wingdings" pitchFamily="2" charset="2"/>
-              <a:buNone/>
-              <a:defRPr lang="en-US" sz="1800" kern="1200">
-                <a:solidFill>
-                  <a:schemeClr val="tx1">
-                    <a:tint val="75000"/>
-                  </a:schemeClr>
-                </a:solidFill>
-                <a:latin typeface="+mn-lt"/>
-                <a:ea typeface="+mn-ea"/>
-                <a:cs typeface="+mn-cs"/>
-              </a:defRPr>
-            </a:lvl9pPr>
-          </a:lstStyle>
-          <a:p>
-            <a:r>
-              <a:rPr lang="en-US" dirty="0" smtClean="0">
-                <a:solidFill>
-                  <a:schemeClr val="tx1"/>
-                </a:solidFill>
-              </a:rPr>
-              <a:t>By Droids Robotics</a:t>
-            </a:r>
-            <a:endParaRPr lang="en-US" dirty="0">
-              <a:solidFill>
-                <a:schemeClr val="tx1"/>
-              </a:solidFill>
-            </a:endParaRPr>
-          </a:p>
-        </p:txBody>
-      </p:sp>
     </p:spTree>
     <p:extLst>
       <p:ext uri="{BB962C8B-B14F-4D97-AF65-F5344CB8AC3E}">
@@ -1930,9 +1648,9 @@
           <a:bodyPr/>
           <a:lstStyle/>
           <a:p>
-            <a:fld id="{EFD9A618-C619-C740-A96E-0D20E79153DA}" type="datetime1">
+            <a:fld id="{BB0D8C43-24A0-F34D-AF1E-0F0C02653896}" type="datetime1">
               <a:rPr lang="en-US" smtClean="0"/>
-              <a:t>11/15/15</a:t>
+              <a:t>7/19/16</a:t>
             </a:fld>
             <a:endParaRPr lang="en-US"/>
           </a:p>
@@ -1955,7 +1673,7 @@
           <a:p>
             <a:r>
               <a:rPr lang="sk-SK" smtClean="0"/>
-              <a:t>© 2015 EV3Lessons.com, Last edit 11/15/2015</a:t>
+              <a:t>© 2016 EV3Lessons.com, Last edit 7/18/2016</a:t>
             </a:r>
             <a:endParaRPr lang="en-US"/>
           </a:p>
@@ -2393,9 +2111,9 @@
           <a:bodyPr/>
           <a:lstStyle/>
           <a:p>
-            <a:fld id="{D62A918D-DAD3-1641-852A-39E9A77A90C8}" type="datetime1">
+            <a:fld id="{ABD253EE-D58B-E44C-B876-F4AE504EBEFE}" type="datetime1">
               <a:rPr lang="en-US" smtClean="0"/>
-              <a:t>11/15/15</a:t>
+              <a:t>7/19/16</a:t>
             </a:fld>
             <a:endParaRPr lang="en-US" dirty="0"/>
           </a:p>
@@ -2418,7 +2136,7 @@
           <a:p>
             <a:r>
               <a:rPr lang="sk-SK" smtClean="0"/>
-              <a:t>© 2015 EV3Lessons.com, Last edit 11/15/2015</a:t>
+              <a:t>© 2016 EV3Lessons.com, Last edit 7/18/2016</a:t>
             </a:r>
             <a:endParaRPr lang="en-US" dirty="0"/>
           </a:p>
@@ -2857,9 +2575,9 @@
           <a:bodyPr/>
           <a:lstStyle/>
           <a:p>
-            <a:fld id="{D8BAF41D-2FBA-4841-B6AD-8A13B3131DA6}" type="datetime1">
+            <a:fld id="{D41E8F60-A293-2D4D-9283-E8BA8BCE9582}" type="datetime1">
               <a:rPr lang="en-US" smtClean="0"/>
-              <a:t>11/15/15</a:t>
+              <a:t>7/19/16</a:t>
             </a:fld>
             <a:endParaRPr lang="en-US"/>
           </a:p>
@@ -3735,9 +3453,9 @@
           <a:bodyPr/>
           <a:lstStyle/>
           <a:p>
-            <a:fld id="{7198F8D7-E20E-8F47-AD8A-501349B0CF0D}" type="datetime1">
+            <a:fld id="{1EC275B6-84ED-BC46-9A60-C2C4C6832709}" type="datetime1">
               <a:rPr lang="en-US" smtClean="0"/>
-              <a:t>11/15/15</a:t>
+              <a:t>7/19/16</a:t>
             </a:fld>
             <a:endParaRPr lang="en-US"/>
           </a:p>
@@ -3760,7 +3478,7 @@
           <a:p>
             <a:r>
               <a:rPr lang="sk-SK" smtClean="0"/>
-              <a:t>© 2015 EV3Lessons.com, Last edit 11/15/2015</a:t>
+              <a:t>© 2016 EV3Lessons.com, Last edit 7/18/2016</a:t>
             </a:r>
             <a:endParaRPr lang="en-US"/>
           </a:p>
@@ -4170,9 +3888,9 @@
           <a:bodyPr/>
           <a:lstStyle/>
           <a:p>
-            <a:fld id="{8EB6D148-0B84-6940-B719-EE064A798D91}" type="datetime1">
+            <a:fld id="{ABC62FA2-3498-E440-A1C2-229B5614E201}" type="datetime1">
               <a:rPr lang="en-US" smtClean="0"/>
-              <a:t>11/15/15</a:t>
+              <a:t>7/19/16</a:t>
             </a:fld>
             <a:endParaRPr lang="en-US"/>
           </a:p>
@@ -4195,7 +3913,7 @@
           <a:p>
             <a:r>
               <a:rPr lang="sk-SK" smtClean="0"/>
-              <a:t>© 2015 EV3Lessons.com, Last edit 11/15/2015</a:t>
+              <a:t>© 2016 EV3Lessons.com, Last edit 7/18/2016</a:t>
             </a:r>
             <a:endParaRPr lang="en-US"/>
           </a:p>
@@ -4643,9 +4361,9 @@
           <a:bodyPr/>
           <a:lstStyle/>
           <a:p>
-            <a:fld id="{32576209-E914-F440-9919-8DCE1B488377}" type="datetime1">
+            <a:fld id="{19ACDBA0-DF82-364B-BDE7-F2C4D20991DF}" type="datetime1">
               <a:rPr lang="en-US" smtClean="0"/>
-              <a:t>11/15/15</a:t>
+              <a:t>7/19/16</a:t>
             </a:fld>
             <a:endParaRPr lang="en-US"/>
           </a:p>
@@ -4668,7 +4386,7 @@
           <a:p>
             <a:r>
               <a:rPr lang="sk-SK" smtClean="0"/>
-              <a:t>© 2015 EV3Lessons.com, Last edit 11/15/2015</a:t>
+              <a:t>© 2016 EV3Lessons.com, Last edit 7/18/2016</a:t>
             </a:r>
             <a:endParaRPr lang="en-US"/>
           </a:p>
@@ -4872,9 +4590,9 @@
           <a:bodyPr/>
           <a:lstStyle/>
           <a:p>
-            <a:fld id="{2BB0B7D3-038A-1E4E-897B-2E19A81C79B9}" type="datetime1">
+            <a:fld id="{0CBDC60D-724A-464B-A744-B19B9AA3BB4B}" type="datetime1">
               <a:rPr lang="en-US" smtClean="0"/>
-              <a:t>11/15/15</a:t>
+              <a:t>7/19/16</a:t>
             </a:fld>
             <a:endParaRPr lang="en-US"/>
           </a:p>
@@ -4897,7 +4615,7 @@
           <a:p>
             <a:r>
               <a:rPr lang="sk-SK" smtClean="0"/>
-              <a:t>© 2015 EV3Lessons.com, Last edit 11/15/2015</a:t>
+              <a:t>© 2016 EV3Lessons.com, Last edit 7/18/2016</a:t>
             </a:r>
             <a:endParaRPr lang="en-US"/>
           </a:p>
@@ -5159,9 +4877,9 @@
           <a:bodyPr/>
           <a:lstStyle/>
           <a:p>
-            <a:fld id="{C3517B7C-1C62-EF47-9030-DD02A9D7AF5D}" type="datetime1">
+            <a:fld id="{2280DC99-E937-744E-8917-E391A30529E3}" type="datetime1">
               <a:rPr lang="en-US" smtClean="0"/>
-              <a:t>11/15/15</a:t>
+              <a:t>7/19/16</a:t>
             </a:fld>
             <a:endParaRPr lang="en-US" dirty="0"/>
           </a:p>
@@ -5184,7 +4902,7 @@
           <a:p>
             <a:r>
               <a:rPr lang="sk-SK" smtClean="0"/>
-              <a:t>© 2015 EV3Lessons.com, Last edit 11/15/2015</a:t>
+              <a:t>© 2016 EV3Lessons.com, Last edit 7/18/2016</a:t>
             </a:r>
             <a:endParaRPr lang="en-US" dirty="0"/>
           </a:p>
@@ -5403,9 +5121,9 @@
             </a:lvl1pPr>
           </a:lstStyle>
           <a:p>
-            <a:fld id="{914D2AEA-2D32-D941-81BD-38D77116D2E4}" type="datetime1">
+            <a:fld id="{865AB7E4-8B06-804A-B72F-3577DD26CB83}" type="datetime1">
               <a:rPr lang="en-US" smtClean="0"/>
-              <a:t>11/15/15</a:t>
+              <a:t>7/19/16</a:t>
             </a:fld>
             <a:endParaRPr lang="en-US" dirty="0"/>
           </a:p>
@@ -5446,7 +5164,7 @@
           <a:p>
             <a:r>
               <a:rPr lang="sk-SK" smtClean="0"/>
-              <a:t>© 2015 EV3Lessons.com, Last edit 11/15/2015</a:t>
+              <a:t>© 2016 EV3Lessons.com, Last edit 7/18/2016</a:t>
             </a:r>
             <a:endParaRPr lang="en-US" dirty="0"/>
           </a:p>
@@ -5558,7 +5276,7 @@
       </p:par>
     </p:tnLst>
   </p:timing>
-  <p:hf hdr="0" dt="0"/>
+  <p:hf sldNum="0" hdr="0" dt="0"/>
   <p:txStyles>
     <p:titleStyle>
       <a:lvl1pPr marL="231775" indent="3175" algn="l" defTabSz="914400" rtl="0" eaLnBrk="1" latinLnBrk="0" hangingPunct="1">
@@ -5953,10 +5671,47 @@
           <a:bodyPr/>
           <a:lstStyle/>
           <a:p>
-            <a:endParaRPr lang="en-US"/>
-          </a:p>
-        </p:txBody>
-      </p:sp>
+            <a:r>
+              <a:rPr lang="en-US" dirty="0" smtClean="0"/>
+              <a:t>By Sanjay and Arvind </a:t>
+            </a:r>
+            <a:r>
+              <a:rPr lang="en-US" dirty="0" err="1" smtClean="0"/>
+              <a:t>Seshan</a:t>
+            </a:r>
+            <a:endParaRPr lang="en-US" dirty="0"/>
+          </a:p>
+        </p:txBody>
+      </p:sp>
+      <p:pic>
+        <p:nvPicPr>
+          <p:cNvPr id="4" name="Picture 3"/>
+          <p:cNvPicPr>
+            <a:picLocks noChangeAspect="1"/>
+          </p:cNvPicPr>
+          <p:nvPr/>
+        </p:nvPicPr>
+        <p:blipFill rotWithShape="1">
+          <a:blip r:embed="rId3">
+            <a:extLst>
+              <a:ext uri="{28A0092B-C50C-407E-A947-70E740481C1C}">
+                <a14:useLocalDpi xmlns:a14="http://schemas.microsoft.com/office/drawing/2010/main" val="0"/>
+              </a:ext>
+            </a:extLst>
+          </a:blip>
+          <a:srcRect l="4523" t="17619" r="3095" b="25000"/>
+          <a:stretch/>
+        </p:blipFill>
+        <p:spPr>
+          <a:xfrm>
+            <a:off x="3459013" y="4560129"/>
+            <a:ext cx="2225974" cy="1382629"/>
+          </a:xfrm>
+          <a:prstGeom prst="rect">
+            <a:avLst/>
+          </a:prstGeom>
+        </p:spPr>
+      </p:pic>
     </p:spTree>
     <p:extLst>
       <p:ext uri="{BB962C8B-B14F-4D97-AF65-F5344CB8AC3E}">
@@ -6041,31 +5796,8 @@
           <a:p>
             <a:r>
               <a:rPr lang="sk-SK" smtClean="0"/>
-              <a:t>© 2015 EV3Lessons.com, Last edit 11/15/2015</a:t>
-            </a:r>
-            <a:endParaRPr lang="en-US"/>
-          </a:p>
-        </p:txBody>
-      </p:sp>
-      <p:sp>
-        <p:nvSpPr>
-          <p:cNvPr id="4" name="Slide Number Placeholder 3"/>
-          <p:cNvSpPr>
-            <a:spLocks noGrp="1"/>
-          </p:cNvSpPr>
-          <p:nvPr>
-            <p:ph type="sldNum" sz="quarter" idx="12"/>
-          </p:nvPr>
-        </p:nvSpPr>
-        <p:spPr/>
-        <p:txBody>
-          <a:bodyPr/>
-          <a:lstStyle/>
-          <a:p>
-            <a:fld id="{4382A7F7-08BF-4252-8141-63FB96055BBB}" type="slidenum">
-              <a:rPr lang="en-US" smtClean="0"/>
-              <a:t>10</a:t>
-            </a:fld>
+              <a:t>© 2016 EV3Lessons.com, Last edit 7/18/2016</a:t>
+            </a:r>
             <a:endParaRPr lang="en-US"/>
           </a:p>
         </p:txBody>
@@ -6609,31 +6341,8 @@
           <a:p>
             <a:r>
               <a:rPr lang="sk-SK" smtClean="0"/>
-              <a:t>© 2015 EV3Lessons.com, Last edit 11/15/2015</a:t>
-            </a:r>
-            <a:endParaRPr lang="en-US"/>
-          </a:p>
-        </p:txBody>
-      </p:sp>
-      <p:sp>
-        <p:nvSpPr>
-          <p:cNvPr id="4" name="Slide Number Placeholder 3"/>
-          <p:cNvSpPr>
-            <a:spLocks noGrp="1"/>
-          </p:cNvSpPr>
-          <p:nvPr>
-            <p:ph type="sldNum" sz="quarter" idx="12"/>
-          </p:nvPr>
-        </p:nvSpPr>
-        <p:spPr/>
-        <p:txBody>
-          <a:bodyPr/>
-          <a:lstStyle/>
-          <a:p>
-            <a:fld id="{4382A7F7-08BF-4252-8141-63FB96055BBB}" type="slidenum">
-              <a:rPr lang="en-US" smtClean="0"/>
-              <a:t>11</a:t>
-            </a:fld>
+              <a:t>© 2016 EV3Lessons.com, Last edit 7/18/2016</a:t>
+            </a:r>
             <a:endParaRPr lang="en-US"/>
           </a:p>
         </p:txBody>
@@ -7226,31 +6935,8 @@
           <a:p>
             <a:r>
               <a:rPr lang="sk-SK" smtClean="0"/>
-              <a:t>© 2015 EV3Lessons.com, Last edit 11/15/2015</a:t>
-            </a:r>
-            <a:endParaRPr lang="en-US"/>
-          </a:p>
-        </p:txBody>
-      </p:sp>
-      <p:sp>
-        <p:nvSpPr>
-          <p:cNvPr id="4" name="Slide Number Placeholder 3"/>
-          <p:cNvSpPr>
-            <a:spLocks noGrp="1"/>
-          </p:cNvSpPr>
-          <p:nvPr>
-            <p:ph type="sldNum" sz="quarter" idx="12"/>
-          </p:nvPr>
-        </p:nvSpPr>
-        <p:spPr/>
-        <p:txBody>
-          <a:bodyPr/>
-          <a:lstStyle/>
-          <a:p>
-            <a:fld id="{4382A7F7-08BF-4252-8141-63FB96055BBB}" type="slidenum">
-              <a:rPr lang="en-US" smtClean="0"/>
-              <a:t>12</a:t>
-            </a:fld>
+              <a:t>© 2016 EV3Lessons.com, Last edit 7/18/2016</a:t>
+            </a:r>
             <a:endParaRPr lang="en-US"/>
           </a:p>
         </p:txBody>
@@ -7634,31 +7320,8 @@
           <a:p>
             <a:r>
               <a:rPr lang="sk-SK" smtClean="0"/>
-              <a:t>© 2015 EV3Lessons.com, Last edit 11/15/2015</a:t>
-            </a:r>
-            <a:endParaRPr lang="en-US"/>
-          </a:p>
-        </p:txBody>
-      </p:sp>
-      <p:sp>
-        <p:nvSpPr>
-          <p:cNvPr id="4" name="Slide Number Placeholder 3"/>
-          <p:cNvSpPr>
-            <a:spLocks noGrp="1"/>
-          </p:cNvSpPr>
-          <p:nvPr>
-            <p:ph type="sldNum" sz="quarter" idx="12"/>
-          </p:nvPr>
-        </p:nvSpPr>
-        <p:spPr/>
-        <p:txBody>
-          <a:bodyPr/>
-          <a:lstStyle/>
-          <a:p>
-            <a:fld id="{4382A7F7-08BF-4252-8141-63FB96055BBB}" type="slidenum">
-              <a:rPr lang="en-US" smtClean="0"/>
-              <a:t>13</a:t>
-            </a:fld>
+              <a:t>© 2016 EV3Lessons.com, Last edit 7/18/2016</a:t>
+            </a:r>
             <a:endParaRPr lang="en-US"/>
           </a:p>
         </p:txBody>
@@ -7792,15 +7455,36 @@
           <a:p>
             <a:pPr lvl="1"/>
             <a:r>
+              <a:rPr lang="en-US" dirty="0" smtClean="0"/>
+              <a:t>This tutorial was written by Sanjay </a:t>
+            </a:r>
+            <a:r>
+              <a:rPr lang="en-US" dirty="0" err="1" smtClean="0"/>
+              <a:t>Seshan</a:t>
+            </a:r>
+            <a:r>
+              <a:rPr lang="en-US" dirty="0" smtClean="0"/>
+              <a:t> and Arvind </a:t>
+            </a:r>
+            <a:r>
+              <a:rPr lang="en-US" dirty="0" err="1" smtClean="0"/>
+              <a:t>Seshan</a:t>
+            </a:r>
+            <a:r>
               <a:rPr lang="en-US" smtClean="0"/>
-              <a:t>This tutorial was written by Sanjay Seshan and Arvind Seshan from Droids Robotics </a:t>
-            </a:r>
+              <a:t> </a:t>
+            </a:r>
+            <a:endParaRPr lang="en-US" smtClean="0"/>
           </a:p>
           <a:p>
             <a:pPr lvl="1"/>
             <a:r>
               <a:rPr lang="en-US" smtClean="0"/>
-              <a:t>More lessons at www.ev3lessons.com</a:t>
+              <a:t>More </a:t>
+            </a:r>
+            <a:r>
+              <a:rPr lang="en-US" smtClean="0"/>
+              <a:t>lessons at www.ev3lessons.com</a:t>
             </a:r>
             <a:endParaRPr lang="en-US" dirty="0"/>
           </a:p>
@@ -7823,32 +7507,8 @@
           <a:p>
             <a:r>
               <a:rPr lang="sk-SK" smtClean="0"/>
-              <a:t>© 2015 EV3Lessons.com, Last edit 11/15/2015</a:t>
-            </a:r>
-            <a:endParaRPr lang="en-US"/>
-          </a:p>
-        </p:txBody>
-      </p:sp>
-      <p:sp>
-        <p:nvSpPr>
-          <p:cNvPr id="7" name="Slide Number Placeholder 6"/>
-          <p:cNvSpPr>
-            <a:spLocks noGrp="1"/>
-          </p:cNvSpPr>
-          <p:nvPr>
-            <p:ph type="sldNum" sz="quarter" idx="12"/>
-          </p:nvPr>
-        </p:nvSpPr>
-        <p:spPr/>
-        <p:txBody>
-          <a:bodyPr/>
-          <a:lstStyle/>
-          <a:p>
-            <a:fld id="{4382A7F7-08BF-4252-8141-63FB96055BBB}" type="slidenum">
-              <a:rPr lang="en-US" smtClean="0"/>
-              <a:pPr/>
-              <a:t>14</a:t>
-            </a:fld>
+              <a:t>© 2016 EV3Lessons.com, Last edit 7/18/2016</a:t>
+            </a:r>
             <a:endParaRPr lang="en-US"/>
           </a:p>
         </p:txBody>
@@ -7901,7 +7561,7 @@
           <a:effectLst/>
           <a:extLst>
             <a:ext uri="{91240B29-F687-4f45-9708-019B960494DF}">
-              <a14:hiddenLine xmlns="" xmlns:a14="http://schemas.microsoft.com/office/drawing/2010/main" w="9525">
+              <a14:hiddenLine xmlns:a14="http://schemas.microsoft.com/office/drawing/2010/main" xmlns="" w="9525">
                 <a:solidFill>
                   <a:schemeClr val="tx1"/>
                 </a:solidFill>
@@ -7911,7 +7571,7 @@
               </a14:hiddenLine>
             </a:ext>
             <a:ext uri="{AF507438-7753-43e0-B8FC-AC1667EBCBE1}">
-              <a14:hiddenEffects xmlns="" xmlns:a14="http://schemas.microsoft.com/office/drawing/2010/main">
+              <a14:hiddenEffects xmlns:a14="http://schemas.microsoft.com/office/drawing/2010/main" xmlns="">
                 <a:effectLst>
                   <a:outerShdw dist="35921" dir="2700000" algn="ctr" rotWithShape="0">
                     <a:schemeClr val="bg2"/>
@@ -8264,7 +7924,7 @@
           <a:noFill/>
           <a:extLst>
             <a:ext uri="{909E8E84-426E-40dd-AFC4-6F175D3DCCD1}">
-              <a14:hiddenFill xmlns="" xmlns:a14="http://schemas.microsoft.com/office/drawing/2010/main">
+              <a14:hiddenFill xmlns:a14="http://schemas.microsoft.com/office/drawing/2010/main" xmlns="">
                 <a:solidFill>
                   <a:srgbClr val="FFFFFF"/>
                 </a:solidFill>
@@ -8379,32 +8039,8 @@
           <a:p>
             <a:r>
               <a:rPr lang="sk-SK" smtClean="0"/>
-              <a:t>© 2015 EV3Lessons.com, Last edit 11/15/2015</a:t>
-            </a:r>
-            <a:endParaRPr lang="en-US"/>
-          </a:p>
-        </p:txBody>
-      </p:sp>
-      <p:sp>
-        <p:nvSpPr>
-          <p:cNvPr id="5" name="Slide Number Placeholder 4"/>
-          <p:cNvSpPr>
-            <a:spLocks noGrp="1"/>
-          </p:cNvSpPr>
-          <p:nvPr>
-            <p:ph type="sldNum" sz="quarter" idx="12"/>
-          </p:nvPr>
-        </p:nvSpPr>
-        <p:spPr/>
-        <p:txBody>
-          <a:bodyPr/>
-          <a:lstStyle/>
-          <a:p>
-            <a:fld id="{4382A7F7-08BF-4252-8141-63FB96055BBB}" type="slidenum">
-              <a:rPr lang="en-US" smtClean="0"/>
-              <a:pPr/>
-              <a:t>2</a:t>
-            </a:fld>
+              <a:t>© 2016 EV3Lessons.com, Last edit 7/18/2016</a:t>
+            </a:r>
             <a:endParaRPr lang="en-US"/>
           </a:p>
         </p:txBody>
@@ -8580,32 +8216,9 @@
           <a:p>
             <a:r>
               <a:rPr lang="sk-SK" smtClean="0"/>
-              <a:t>© 2015 EV3Lessons.com, Last edit 11/15/2015</a:t>
+              <a:t>© 2016 EV3Lessons.com, Last edit 7/18/2016</a:t>
             </a:r>
             <a:endParaRPr lang="en-US" dirty="0"/>
-          </a:p>
-        </p:txBody>
-      </p:sp>
-      <p:sp>
-        <p:nvSpPr>
-          <p:cNvPr id="5" name="Slide Number Placeholder 4"/>
-          <p:cNvSpPr>
-            <a:spLocks noGrp="1"/>
-          </p:cNvSpPr>
-          <p:nvPr>
-            <p:ph type="sldNum" sz="quarter" idx="12"/>
-          </p:nvPr>
-        </p:nvSpPr>
-        <p:spPr/>
-        <p:txBody>
-          <a:bodyPr/>
-          <a:lstStyle/>
-          <a:p>
-            <a:fld id="{4382A7F7-08BF-4252-8141-63FB96055BBB}" type="slidenum">
-              <a:rPr lang="en-US" smtClean="0"/>
-              <a:t>3</a:t>
-            </a:fld>
-            <a:endParaRPr lang="en-US"/>
           </a:p>
         </p:txBody>
       </p:sp>
@@ -8776,31 +8389,8 @@
           <a:p>
             <a:r>
               <a:rPr lang="sk-SK" smtClean="0"/>
-              <a:t>© 2015 EV3Lessons.com, Last edit 11/15/2015</a:t>
-            </a:r>
-            <a:endParaRPr lang="en-US"/>
-          </a:p>
-        </p:txBody>
-      </p:sp>
-      <p:sp>
-        <p:nvSpPr>
-          <p:cNvPr id="5" name="Slide Number Placeholder 4"/>
-          <p:cNvSpPr>
-            <a:spLocks noGrp="1"/>
-          </p:cNvSpPr>
-          <p:nvPr>
-            <p:ph type="sldNum" sz="quarter" idx="12"/>
-          </p:nvPr>
-        </p:nvSpPr>
-        <p:spPr/>
-        <p:txBody>
-          <a:bodyPr/>
-          <a:lstStyle/>
-          <a:p>
-            <a:fld id="{4382A7F7-08BF-4252-8141-63FB96055BBB}" type="slidenum">
-              <a:rPr lang="en-US" smtClean="0"/>
-              <a:t>4</a:t>
-            </a:fld>
+              <a:t>© 2016 EV3Lessons.com, Last edit 7/18/2016</a:t>
+            </a:r>
             <a:endParaRPr lang="en-US"/>
           </a:p>
         </p:txBody>
@@ -9033,31 +8623,8 @@
           <a:p>
             <a:r>
               <a:rPr lang="sk-SK" smtClean="0"/>
-              <a:t>© 2015 EV3Lessons.com, Last edit 11/15/2015</a:t>
-            </a:r>
-            <a:endParaRPr lang="en-US"/>
-          </a:p>
-        </p:txBody>
-      </p:sp>
-      <p:sp>
-        <p:nvSpPr>
-          <p:cNvPr id="4" name="Slide Number Placeholder 3"/>
-          <p:cNvSpPr>
-            <a:spLocks noGrp="1"/>
-          </p:cNvSpPr>
-          <p:nvPr>
-            <p:ph type="sldNum" sz="quarter" idx="12"/>
-          </p:nvPr>
-        </p:nvSpPr>
-        <p:spPr/>
-        <p:txBody>
-          <a:bodyPr/>
-          <a:lstStyle/>
-          <a:p>
-            <a:fld id="{4382A7F7-08BF-4252-8141-63FB96055BBB}" type="slidenum">
-              <a:rPr lang="en-US" smtClean="0"/>
-              <a:t>5</a:t>
-            </a:fld>
+              <a:t>© 2016 EV3Lessons.com, Last edit 7/18/2016</a:t>
+            </a:r>
             <a:endParaRPr lang="en-US"/>
           </a:p>
         </p:txBody>
@@ -9162,31 +8729,8 @@
           <a:p>
             <a:r>
               <a:rPr lang="sk-SK" smtClean="0"/>
-              <a:t>© 2015 EV3Lessons.com, Last edit 11/15/2015</a:t>
-            </a:r>
-            <a:endParaRPr lang="en-US"/>
-          </a:p>
-        </p:txBody>
-      </p:sp>
-      <p:sp>
-        <p:nvSpPr>
-          <p:cNvPr id="4" name="Slide Number Placeholder 3"/>
-          <p:cNvSpPr>
-            <a:spLocks noGrp="1"/>
-          </p:cNvSpPr>
-          <p:nvPr>
-            <p:ph type="sldNum" sz="quarter" idx="12"/>
-          </p:nvPr>
-        </p:nvSpPr>
-        <p:spPr/>
-        <p:txBody>
-          <a:bodyPr/>
-          <a:lstStyle/>
-          <a:p>
-            <a:fld id="{4382A7F7-08BF-4252-8141-63FB96055BBB}" type="slidenum">
-              <a:rPr lang="en-US" smtClean="0"/>
-              <a:t>6</a:t>
-            </a:fld>
+              <a:t>© 2016 EV3Lessons.com, Last edit 7/18/2016</a:t>
+            </a:r>
             <a:endParaRPr lang="en-US"/>
           </a:p>
         </p:txBody>
@@ -9659,31 +9203,8 @@
           <a:p>
             <a:r>
               <a:rPr lang="sk-SK" smtClean="0"/>
-              <a:t>© 2015 EV3Lessons.com, Last edit 11/15/2015</a:t>
-            </a:r>
-            <a:endParaRPr lang="en-US"/>
-          </a:p>
-        </p:txBody>
-      </p:sp>
-      <p:sp>
-        <p:nvSpPr>
-          <p:cNvPr id="4" name="Slide Number Placeholder 3"/>
-          <p:cNvSpPr>
-            <a:spLocks noGrp="1"/>
-          </p:cNvSpPr>
-          <p:nvPr>
-            <p:ph type="sldNum" sz="quarter" idx="12"/>
-          </p:nvPr>
-        </p:nvSpPr>
-        <p:spPr/>
-        <p:txBody>
-          <a:bodyPr/>
-          <a:lstStyle/>
-          <a:p>
-            <a:fld id="{4382A7F7-08BF-4252-8141-63FB96055BBB}" type="slidenum">
-              <a:rPr lang="en-US" smtClean="0"/>
-              <a:t>7</a:t>
-            </a:fld>
+              <a:t>© 2016 EV3Lessons.com, Last edit 7/18/2016</a:t>
+            </a:r>
             <a:endParaRPr lang="en-US"/>
           </a:p>
         </p:txBody>
@@ -10082,31 +9603,8 @@
           <a:p>
             <a:r>
               <a:rPr lang="sk-SK" smtClean="0"/>
-              <a:t>© 2015 EV3Lessons.com, Last edit 11/15/2015</a:t>
-            </a:r>
-            <a:endParaRPr lang="en-US"/>
-          </a:p>
-        </p:txBody>
-      </p:sp>
-      <p:sp>
-        <p:nvSpPr>
-          <p:cNvPr id="4" name="Slide Number Placeholder 3"/>
-          <p:cNvSpPr>
-            <a:spLocks noGrp="1"/>
-          </p:cNvSpPr>
-          <p:nvPr>
-            <p:ph type="sldNum" sz="quarter" idx="12"/>
-          </p:nvPr>
-        </p:nvSpPr>
-        <p:spPr/>
-        <p:txBody>
-          <a:bodyPr/>
-          <a:lstStyle/>
-          <a:p>
-            <a:fld id="{4382A7F7-08BF-4252-8141-63FB96055BBB}" type="slidenum">
-              <a:rPr lang="en-US" smtClean="0"/>
-              <a:t>8</a:t>
-            </a:fld>
+              <a:t>© 2016 EV3Lessons.com, Last edit 7/18/2016</a:t>
+            </a:r>
             <a:endParaRPr lang="en-US"/>
           </a:p>
         </p:txBody>
@@ -10349,32 +9847,8 @@
           <a:p>
             <a:r>
               <a:rPr lang="sk-SK" smtClean="0"/>
-              <a:t>© 2015 EV3Lessons.com, Last edit 11/15/2015</a:t>
-            </a:r>
-            <a:endParaRPr lang="en-US"/>
-          </a:p>
-        </p:txBody>
-      </p:sp>
-      <p:sp>
-        <p:nvSpPr>
-          <p:cNvPr id="5" name="Slide Number Placeholder 4"/>
-          <p:cNvSpPr>
-            <a:spLocks noGrp="1"/>
-          </p:cNvSpPr>
-          <p:nvPr>
-            <p:ph type="sldNum" sz="quarter" idx="12"/>
-          </p:nvPr>
-        </p:nvSpPr>
-        <p:spPr/>
-        <p:txBody>
-          <a:bodyPr/>
-          <a:lstStyle/>
-          <a:p>
-            <a:fld id="{4382A7F7-08BF-4252-8141-63FB96055BBB}" type="slidenum">
-              <a:rPr lang="en-US" smtClean="0"/>
-              <a:pPr/>
-              <a:t>9</a:t>
-            </a:fld>
+              <a:t>© 2016 EV3Lessons.com, Last edit 7/18/2016</a:t>
+            </a:r>
             <a:endParaRPr lang="en-US"/>
           </a:p>
         </p:txBody>
